--- a/present-sw-cons.pptx
+++ b/present-sw-cons.pptx
@@ -25,13 +25,16 @@
     <p:sldId id="282" r:id="rId19"/>
     <p:sldId id="283" r:id="rId20"/>
     <p:sldId id="268" r:id="rId21"/>
-    <p:sldId id="269" r:id="rId22"/>
-    <p:sldId id="274" r:id="rId23"/>
-    <p:sldId id="273" r:id="rId24"/>
-    <p:sldId id="275" r:id="rId25"/>
-    <p:sldId id="270" r:id="rId26"/>
-    <p:sldId id="271" r:id="rId27"/>
-    <p:sldId id="272" r:id="rId28"/>
+    <p:sldId id="287" r:id="rId22"/>
+    <p:sldId id="288" r:id="rId23"/>
+    <p:sldId id="289" r:id="rId24"/>
+    <p:sldId id="269" r:id="rId25"/>
+    <p:sldId id="274" r:id="rId26"/>
+    <p:sldId id="273" r:id="rId27"/>
+    <p:sldId id="275" r:id="rId28"/>
+    <p:sldId id="270" r:id="rId29"/>
+    <p:sldId id="271" r:id="rId30"/>
+    <p:sldId id="272" r:id="rId31"/>
   </p:sldIdLst>
   <p:sldSz cx="9144000" cy="6858000" type="screen4x3"/>
   <p:notesSz cx="6858000" cy="9144000"/>
@@ -5518,7 +5521,7 @@
           <p:nvPr/>
         </p:nvPicPr>
         <p:blipFill>
-          <a:blip r:embed="rId2">
+          <a:blip>
             <a:extLst>
               <a:ext uri="{28A0092B-C50C-407E-A947-70E740481C1C}">
                 <a14:useLocalDpi xmlns:a14="http://schemas.microsoft.com/office/drawing/2010/main" val="0"/>
@@ -5981,30 +5984,14 @@
           <a:p>
             <a:r>
               <a:rPr lang="en-US" sz="6000" b="1" dirty="0" smtClean="0"/>
-              <a:t>URS-03 </a:t>
-            </a:r>
-            <a:r>
-              <a:rPr lang="en-US" sz="6000" b="1" dirty="0" smtClean="0"/>
-              <a:t>:</a:t>
+              <a:t>URS-03 :</a:t>
             </a:r>
             <a:br>
               <a:rPr lang="en-US" sz="6000" b="1" dirty="0" smtClean="0"/>
             </a:br>
             <a:r>
               <a:rPr lang="en-US" sz="6000" b="1" dirty="0" smtClean="0"/>
-              <a:t>Admin </a:t>
-            </a:r>
-            <a:r>
-              <a:rPr lang="en-US" sz="6000" b="1" dirty="0" smtClean="0"/>
-              <a:t>can update temple      	    </a:t>
-            </a:r>
-            <a:r>
-              <a:rPr lang="en-US" sz="6000" b="1" dirty="0" smtClean="0"/>
-              <a:t>history</a:t>
-            </a:r>
-            <a:r>
-              <a:rPr lang="en-US" sz="6000" b="1" dirty="0" smtClean="0"/>
-              <a:t>.</a:t>
+              <a:t>Admin can update temple      	    history.</a:t>
             </a:r>
             <a:endParaRPr lang="en-US" sz="6000" b="1" dirty="0"/>
           </a:p>
@@ -6072,6 +6059,70 @@
           </a:p>
         </p:txBody>
       </p:sp>
+      <p:pic>
+        <p:nvPicPr>
+          <p:cNvPr id="1026" name="Picture 2"/>
+          <p:cNvPicPr>
+            <a:picLocks noChangeAspect="1" noChangeArrowheads="1"/>
+          </p:cNvPicPr>
+          <p:nvPr/>
+        </p:nvPicPr>
+        <p:blipFill>
+          <a:blip r:embed="rId2">
+            <a:extLst>
+              <a:ext uri="{28A0092B-C50C-407E-A947-70E740481C1C}">
+                <a14:useLocalDpi xmlns:a14="http://schemas.microsoft.com/office/drawing/2010/main" val="0"/>
+              </a:ext>
+            </a:extLst>
+          </a:blip>
+          <a:srcRect/>
+          <a:stretch>
+            <a:fillRect/>
+          </a:stretch>
+        </p:blipFill>
+        <p:spPr bwMode="auto">
+          <a:xfrm>
+            <a:off x="123825" y="2965450"/>
+            <a:ext cx="8896350" cy="2400300"/>
+          </a:xfrm>
+          <a:prstGeom prst="rect">
+            <a:avLst/>
+          </a:prstGeom>
+          <a:noFill/>
+          <a:ln>
+            <a:noFill/>
+          </a:ln>
+          <a:effectLst/>
+          <a:extLst>
+            <a:ext uri="{909E8E84-426E-40DD-AFC4-6F175D3DCCD1}">
+              <a14:hiddenFill xmlns:a14="http://schemas.microsoft.com/office/drawing/2010/main">
+                <a:solidFill>
+                  <a:schemeClr val="accent1"/>
+                </a:solidFill>
+              </a14:hiddenFill>
+            </a:ext>
+            <a:ext uri="{91240B29-F687-4F45-9708-019B960494DF}">
+              <a14:hiddenLine xmlns:a14="http://schemas.microsoft.com/office/drawing/2010/main" w="9525">
+                <a:solidFill>
+                  <a:schemeClr val="tx1"/>
+                </a:solidFill>
+                <a:miter lim="800000"/>
+                <a:headEnd/>
+                <a:tailEnd/>
+              </a14:hiddenLine>
+            </a:ext>
+            <a:ext uri="{AF507438-7753-43E0-B8FC-AC1667EBCBE1}">
+              <a14:hiddenEffects xmlns:a14="http://schemas.microsoft.com/office/drawing/2010/main">
+                <a:effectLst>
+                  <a:outerShdw dist="35921" dir="2700000" algn="ctr" rotWithShape="0">
+                    <a:schemeClr val="bg2"/>
+                  </a:outerShdw>
+                </a:effectLst>
+              </a14:hiddenEffects>
+            </a:ext>
+          </a:extLst>
+        </p:spPr>
+      </p:pic>
     </p:spTree>
     <p:extLst>
       <p:ext uri="{BB962C8B-B14F-4D97-AF65-F5344CB8AC3E}">
@@ -6112,19 +6163,16 @@
             <p:ph type="title"/>
           </p:nvPr>
         </p:nvSpPr>
-        <p:spPr>
-          <a:xfrm>
-            <a:off x="0" y="209456"/>
-            <a:ext cx="8913813" cy="914400"/>
-          </a:xfrm>
-        </p:spPr>
-        <p:txBody>
-          <a:bodyPr/>
+        <p:spPr/>
+        <p:txBody>
+          <a:bodyPr>
+            <a:normAutofit/>
+          </a:bodyPr>
           <a:lstStyle/>
           <a:p>
             <a:r>
               <a:rPr lang="en-US" dirty="0" smtClean="0"/>
-              <a:t>ISSUE TRACKING</a:t>
+              <a:t>VERSION CONTROL</a:t>
             </a:r>
             <a:endParaRPr lang="en-US" dirty="0"/>
           </a:p>
@@ -6132,9 +6180,9 @@
       </p:sp>
       <p:pic>
         <p:nvPicPr>
-          <p:cNvPr id="6" name="Picture 5" descr="Screen Shot 2558-04-23 at 9.10.40 PM.png"/>
+          <p:cNvPr id="2050" name="Picture 2"/>
           <p:cNvPicPr>
-            <a:picLocks noChangeAspect="1"/>
+            <a:picLocks noChangeAspect="1" noChangeArrowheads="1"/>
           </p:cNvPicPr>
           <p:nvPr/>
         </p:nvPicPr>
@@ -6146,24 +6194,58 @@
               </a:ext>
             </a:extLst>
           </a:blip>
+          <a:srcRect/>
           <a:stretch>
             <a:fillRect/>
           </a:stretch>
         </p:blipFill>
-        <p:spPr>
-          <a:xfrm>
-            <a:off x="0" y="1861783"/>
-            <a:ext cx="9144000" cy="3495654"/>
+        <p:spPr bwMode="auto">
+          <a:xfrm>
+            <a:off x="109537" y="2905125"/>
+            <a:ext cx="8924925" cy="2190750"/>
           </a:xfrm>
           <a:prstGeom prst="rect">
             <a:avLst/>
           </a:prstGeom>
+          <a:noFill/>
+          <a:ln>
+            <a:noFill/>
+          </a:ln>
+          <a:effectLst/>
+          <a:extLst>
+            <a:ext uri="{909E8E84-426E-40DD-AFC4-6F175D3DCCD1}">
+              <a14:hiddenFill xmlns:a14="http://schemas.microsoft.com/office/drawing/2010/main">
+                <a:solidFill>
+                  <a:schemeClr val="accent1"/>
+                </a:solidFill>
+              </a14:hiddenFill>
+            </a:ext>
+            <a:ext uri="{91240B29-F687-4F45-9708-019B960494DF}">
+              <a14:hiddenLine xmlns:a14="http://schemas.microsoft.com/office/drawing/2010/main" w="9525">
+                <a:solidFill>
+                  <a:schemeClr val="tx1"/>
+                </a:solidFill>
+                <a:miter lim="800000"/>
+                <a:headEnd/>
+                <a:tailEnd/>
+              </a14:hiddenLine>
+            </a:ext>
+            <a:ext uri="{AF507438-7753-43E0-B8FC-AC1667EBCBE1}">
+              <a14:hiddenEffects xmlns:a14="http://schemas.microsoft.com/office/drawing/2010/main">
+                <a:effectLst>
+                  <a:outerShdw dist="35921" dir="2700000" algn="ctr" rotWithShape="0">
+                    <a:schemeClr val="bg2"/>
+                  </a:outerShdw>
+                </a:effectLst>
+              </a14:hiddenEffects>
+            </a:ext>
+          </a:extLst>
         </p:spPr>
       </p:pic>
     </p:spTree>
     <p:extLst>
       <p:ext uri="{BB962C8B-B14F-4D97-AF65-F5344CB8AC3E}">
-        <p14:creationId xmlns:p14="http://schemas.microsoft.com/office/powerpoint/2010/main" val="2477463593"/>
+        <p14:creationId xmlns:p14="http://schemas.microsoft.com/office/powerpoint/2010/main" val="1123887445"/>
       </p:ext>
     </p:extLst>
   </p:cSld>
@@ -6200,19 +6282,16 @@
             <p:ph type="title"/>
           </p:nvPr>
         </p:nvSpPr>
-        <p:spPr>
-          <a:xfrm>
-            <a:off x="0" y="209456"/>
-            <a:ext cx="8913813" cy="914400"/>
-          </a:xfrm>
-        </p:spPr>
-        <p:txBody>
-          <a:bodyPr/>
+        <p:spPr/>
+        <p:txBody>
+          <a:bodyPr>
+            <a:normAutofit/>
+          </a:bodyPr>
           <a:lstStyle/>
           <a:p>
             <a:r>
               <a:rPr lang="en-US" dirty="0" smtClean="0"/>
-              <a:t>ISSUE TRACKING</a:t>
+              <a:t>VERSION CONTROL</a:t>
             </a:r>
             <a:endParaRPr lang="en-US" dirty="0"/>
           </a:p>
@@ -6220,9 +6299,9 @@
       </p:sp>
       <p:pic>
         <p:nvPicPr>
-          <p:cNvPr id="3" name="Picture 2" descr="Screen Shot 2558-04-23 at 9.18.05 PM.png"/>
+          <p:cNvPr id="3074" name="Picture 2"/>
           <p:cNvPicPr>
-            <a:picLocks noChangeAspect="1"/>
+            <a:picLocks noChangeAspect="1" noChangeArrowheads="1"/>
           </p:cNvPicPr>
           <p:nvPr/>
         </p:nvPicPr>
@@ -6234,24 +6313,58 @@
               </a:ext>
             </a:extLst>
           </a:blip>
+          <a:srcRect/>
           <a:stretch>
             <a:fillRect/>
           </a:stretch>
         </p:blipFill>
-        <p:spPr>
-          <a:xfrm>
-            <a:off x="0" y="951985"/>
-            <a:ext cx="9144000" cy="5888854"/>
+        <p:spPr bwMode="auto">
+          <a:xfrm>
+            <a:off x="88900" y="2740025"/>
+            <a:ext cx="8915400" cy="2190750"/>
           </a:xfrm>
           <a:prstGeom prst="rect">
             <a:avLst/>
           </a:prstGeom>
+          <a:noFill/>
+          <a:ln>
+            <a:noFill/>
+          </a:ln>
+          <a:effectLst/>
+          <a:extLst>
+            <a:ext uri="{909E8E84-426E-40DD-AFC4-6F175D3DCCD1}">
+              <a14:hiddenFill xmlns:a14="http://schemas.microsoft.com/office/drawing/2010/main">
+                <a:solidFill>
+                  <a:schemeClr val="accent1"/>
+                </a:solidFill>
+              </a14:hiddenFill>
+            </a:ext>
+            <a:ext uri="{91240B29-F687-4F45-9708-019B960494DF}">
+              <a14:hiddenLine xmlns:a14="http://schemas.microsoft.com/office/drawing/2010/main" w="9525">
+                <a:solidFill>
+                  <a:schemeClr val="tx1"/>
+                </a:solidFill>
+                <a:miter lim="800000"/>
+                <a:headEnd/>
+                <a:tailEnd/>
+              </a14:hiddenLine>
+            </a:ext>
+            <a:ext uri="{AF507438-7753-43E0-B8FC-AC1667EBCBE1}">
+              <a14:hiddenEffects xmlns:a14="http://schemas.microsoft.com/office/drawing/2010/main">
+                <a:effectLst>
+                  <a:outerShdw dist="35921" dir="2700000" algn="ctr" rotWithShape="0">
+                    <a:schemeClr val="bg2"/>
+                  </a:outerShdw>
+                </a:effectLst>
+              </a14:hiddenEffects>
+            </a:ext>
+          </a:extLst>
         </p:spPr>
       </p:pic>
     </p:spTree>
     <p:extLst>
       <p:ext uri="{BB962C8B-B14F-4D97-AF65-F5344CB8AC3E}">
-        <p14:creationId xmlns:p14="http://schemas.microsoft.com/office/powerpoint/2010/main" val="715029995"/>
+        <p14:creationId xmlns:p14="http://schemas.microsoft.com/office/powerpoint/2010/main" val="1123887445"/>
       </p:ext>
     </p:extLst>
   </p:cSld>
@@ -6288,19 +6401,16 @@
             <p:ph type="title"/>
           </p:nvPr>
         </p:nvSpPr>
-        <p:spPr>
-          <a:xfrm>
-            <a:off x="0" y="209456"/>
-            <a:ext cx="8913813" cy="914400"/>
-          </a:xfrm>
-        </p:spPr>
-        <p:txBody>
-          <a:bodyPr/>
+        <p:spPr/>
+        <p:txBody>
+          <a:bodyPr>
+            <a:normAutofit/>
+          </a:bodyPr>
           <a:lstStyle/>
           <a:p>
             <a:r>
               <a:rPr lang="en-US" dirty="0" smtClean="0"/>
-              <a:t>ISSUE TRACKING</a:t>
+              <a:t>VERSION CONTROL</a:t>
             </a:r>
             <a:endParaRPr lang="en-US" dirty="0"/>
           </a:p>
@@ -6308,9 +6418,9 @@
       </p:sp>
       <p:pic>
         <p:nvPicPr>
-          <p:cNvPr id="3" name="Picture 2" descr="Screen Shot 2558-04-23 at 9.12.32 PM.png"/>
+          <p:cNvPr id="4098" name="Picture 2"/>
           <p:cNvPicPr>
-            <a:picLocks noChangeAspect="1"/>
+            <a:picLocks noChangeAspect="1" noChangeArrowheads="1"/>
           </p:cNvPicPr>
           <p:nvPr/>
         </p:nvPicPr>
@@ -6322,24 +6432,58 @@
               </a:ext>
             </a:extLst>
           </a:blip>
+          <a:srcRect/>
           <a:stretch>
             <a:fillRect/>
           </a:stretch>
         </p:blipFill>
-        <p:spPr>
-          <a:xfrm>
-            <a:off x="0" y="1123856"/>
-            <a:ext cx="9144000" cy="5872655"/>
+        <p:spPr bwMode="auto">
+          <a:xfrm>
+            <a:off x="109538" y="2774950"/>
+            <a:ext cx="8924925" cy="2019300"/>
           </a:xfrm>
           <a:prstGeom prst="rect">
             <a:avLst/>
           </a:prstGeom>
+          <a:noFill/>
+          <a:ln>
+            <a:noFill/>
+          </a:ln>
+          <a:effectLst/>
+          <a:extLst>
+            <a:ext uri="{909E8E84-426E-40DD-AFC4-6F175D3DCCD1}">
+              <a14:hiddenFill xmlns:a14="http://schemas.microsoft.com/office/drawing/2010/main">
+                <a:solidFill>
+                  <a:schemeClr val="accent1"/>
+                </a:solidFill>
+              </a14:hiddenFill>
+            </a:ext>
+            <a:ext uri="{91240B29-F687-4F45-9708-019B960494DF}">
+              <a14:hiddenLine xmlns:a14="http://schemas.microsoft.com/office/drawing/2010/main" w="9525">
+                <a:solidFill>
+                  <a:schemeClr val="tx1"/>
+                </a:solidFill>
+                <a:miter lim="800000"/>
+                <a:headEnd/>
+                <a:tailEnd/>
+              </a14:hiddenLine>
+            </a:ext>
+            <a:ext uri="{AF507438-7753-43E0-B8FC-AC1667EBCBE1}">
+              <a14:hiddenEffects xmlns:a14="http://schemas.microsoft.com/office/drawing/2010/main">
+                <a:effectLst>
+                  <a:outerShdw dist="35921" dir="2700000" algn="ctr" rotWithShape="0">
+                    <a:schemeClr val="bg2"/>
+                  </a:outerShdw>
+                </a:effectLst>
+              </a14:hiddenEffects>
+            </a:ext>
+          </a:extLst>
         </p:spPr>
       </p:pic>
     </p:spTree>
     <p:extLst>
       <p:ext uri="{BB962C8B-B14F-4D97-AF65-F5344CB8AC3E}">
-        <p14:creationId xmlns:p14="http://schemas.microsoft.com/office/powerpoint/2010/main" val="715029995"/>
+        <p14:creationId xmlns:p14="http://schemas.microsoft.com/office/powerpoint/2010/main" val="1123887445"/>
       </p:ext>
     </p:extLst>
   </p:cSld>
@@ -6396,7 +6540,7 @@
       </p:sp>
       <p:pic>
         <p:nvPicPr>
-          <p:cNvPr id="4" name="Picture 3" descr="Screen Shot 2558-04-23 at 9.18.59 PM.png"/>
+          <p:cNvPr id="6" name="Picture 5" descr="Screen Shot 2558-04-23 at 9.10.40 PM.png"/>
           <p:cNvPicPr>
             <a:picLocks noChangeAspect="1"/>
           </p:cNvPicPr>
@@ -6416,8 +6560,8 @@
         </p:blipFill>
         <p:spPr>
           <a:xfrm>
-            <a:off x="0" y="2016228"/>
-            <a:ext cx="9144000" cy="2929631"/>
+            <a:off x="0" y="1861783"/>
+            <a:ext cx="9144000" cy="3495654"/>
           </a:xfrm>
           <a:prstGeom prst="rect">
             <a:avLst/>
@@ -6427,7 +6571,7 @@
     </p:spTree>
     <p:extLst>
       <p:ext uri="{BB962C8B-B14F-4D97-AF65-F5344CB8AC3E}">
-        <p14:creationId xmlns:p14="http://schemas.microsoft.com/office/powerpoint/2010/main" val="715029995"/>
+        <p14:creationId xmlns:p14="http://schemas.microsoft.com/office/powerpoint/2010/main" val="2477463593"/>
       </p:ext>
     </p:extLst>
   </p:cSld>
@@ -6476,7 +6620,7 @@
           <a:p>
             <a:r>
               <a:rPr lang="en-US" dirty="0" smtClean="0"/>
-              <a:t>MILE STONE</a:t>
+              <a:t>ISSUE TRACKING</a:t>
             </a:r>
             <a:endParaRPr lang="en-US" dirty="0"/>
           </a:p>
@@ -6484,7 +6628,7 @@
       </p:sp>
       <p:pic>
         <p:nvPicPr>
-          <p:cNvPr id="4" name="Picture 3" descr="Screen Shot 2558-04-23 at 9.00.19 PM.png"/>
+          <p:cNvPr id="3" name="Picture 2" descr="Screen Shot 2558-04-23 at 9.18.05 PM.png"/>
           <p:cNvPicPr>
             <a:picLocks noChangeAspect="1"/>
           </p:cNvPicPr>
@@ -6504,8 +6648,8 @@
         </p:blipFill>
         <p:spPr>
           <a:xfrm>
-            <a:off x="0" y="1372887"/>
-            <a:ext cx="9144000" cy="5375922"/>
+            <a:off x="0" y="951985"/>
+            <a:ext cx="9144000" cy="5888854"/>
           </a:xfrm>
           <a:prstGeom prst="rect">
             <a:avLst/>
@@ -6515,7 +6659,7 @@
     </p:spTree>
     <p:extLst>
       <p:ext uri="{BB962C8B-B14F-4D97-AF65-F5344CB8AC3E}">
-        <p14:creationId xmlns:p14="http://schemas.microsoft.com/office/powerpoint/2010/main" val="3494471541"/>
+        <p14:creationId xmlns:p14="http://schemas.microsoft.com/office/powerpoint/2010/main" val="715029995"/>
       </p:ext>
     </p:extLst>
   </p:cSld>
@@ -6564,7 +6708,7 @@
           <a:p>
             <a:r>
               <a:rPr lang="en-US" dirty="0" smtClean="0"/>
-              <a:t>MILE STONE</a:t>
+              <a:t>ISSUE TRACKING</a:t>
             </a:r>
             <a:endParaRPr lang="en-US" dirty="0"/>
           </a:p>
@@ -6572,7 +6716,7 @@
       </p:sp>
       <p:pic>
         <p:nvPicPr>
-          <p:cNvPr id="4" name="Picture 3" descr="Screen Shot 2558-04-23 at 9.05.11 PM.png"/>
+          <p:cNvPr id="3" name="Picture 2" descr="Screen Shot 2558-04-23 at 9.12.32 PM.png"/>
           <p:cNvPicPr>
             <a:picLocks noChangeAspect="1"/>
           </p:cNvPicPr>
@@ -6592,8 +6736,8 @@
         </p:blipFill>
         <p:spPr>
           <a:xfrm>
-            <a:off x="0" y="1346270"/>
-            <a:ext cx="9144000" cy="5391603"/>
+            <a:off x="0" y="1123856"/>
+            <a:ext cx="9144000" cy="5872655"/>
           </a:xfrm>
           <a:prstGeom prst="rect">
             <a:avLst/>
@@ -6603,7 +6747,7 @@
     </p:spTree>
     <p:extLst>
       <p:ext uri="{BB962C8B-B14F-4D97-AF65-F5344CB8AC3E}">
-        <p14:creationId xmlns:p14="http://schemas.microsoft.com/office/powerpoint/2010/main" val="331500214"/>
+        <p14:creationId xmlns:p14="http://schemas.microsoft.com/office/powerpoint/2010/main" val="715029995"/>
       </p:ext>
     </p:extLst>
   </p:cSld>
@@ -6642,7 +6786,7 @@
         </p:nvSpPr>
         <p:spPr>
           <a:xfrm>
-            <a:off x="0" y="200680"/>
+            <a:off x="0" y="209456"/>
             <a:ext cx="8913813" cy="914400"/>
           </a:xfrm>
         </p:spPr>
@@ -6652,7 +6796,7 @@
           <a:p>
             <a:r>
               <a:rPr lang="en-US" dirty="0" smtClean="0"/>
-              <a:t>MILE STONE</a:t>
+              <a:t>ISSUE TRACKING</a:t>
             </a:r>
             <a:endParaRPr lang="en-US" dirty="0"/>
           </a:p>
@@ -6660,7 +6804,7 @@
       </p:sp>
       <p:pic>
         <p:nvPicPr>
-          <p:cNvPr id="4" name="Picture 3" descr="Screen Shot 2558-04-23 at 9.07.02 PM.png"/>
+          <p:cNvPr id="4" name="Picture 3" descr="Screen Shot 2558-04-23 at 9.18.59 PM.png"/>
           <p:cNvPicPr>
             <a:picLocks noChangeAspect="1"/>
           </p:cNvPicPr>
@@ -6680,8 +6824,8 @@
         </p:blipFill>
         <p:spPr>
           <a:xfrm>
-            <a:off x="0" y="2149657"/>
-            <a:ext cx="9144000" cy="3283974"/>
+            <a:off x="0" y="2016228"/>
+            <a:ext cx="9144000" cy="2929631"/>
           </a:xfrm>
           <a:prstGeom prst="rect">
             <a:avLst/>
@@ -6691,7 +6835,183 @@
     </p:spTree>
     <p:extLst>
       <p:ext uri="{BB962C8B-B14F-4D97-AF65-F5344CB8AC3E}">
-        <p14:creationId xmlns:p14="http://schemas.microsoft.com/office/powerpoint/2010/main" val="3791116639"/>
+        <p14:creationId xmlns:p14="http://schemas.microsoft.com/office/powerpoint/2010/main" val="715029995"/>
+      </p:ext>
+    </p:extLst>
+  </p:cSld>
+  <p:clrMapOvr>
+    <a:masterClrMapping/>
+  </p:clrMapOvr>
+</p:sld>
+</file>
+
+<file path=ppt/slides/slide28.xml><?xml version="1.0" encoding="utf-8"?>
+<p:sld xmlns:a="http://schemas.openxmlformats.org/drawingml/2006/main" xmlns:r="http://schemas.openxmlformats.org/officeDocument/2006/relationships" xmlns:p="http://schemas.openxmlformats.org/presentationml/2006/main">
+  <p:cSld>
+    <p:spTree>
+      <p:nvGrpSpPr>
+        <p:cNvPr id="1" name=""/>
+        <p:cNvGrpSpPr/>
+        <p:nvPr/>
+      </p:nvGrpSpPr>
+      <p:grpSpPr>
+        <a:xfrm>
+          <a:off x="0" y="0"/>
+          <a:ext cx="0" cy="0"/>
+          <a:chOff x="0" y="0"/>
+          <a:chExt cx="0" cy="0"/>
+        </a:xfrm>
+      </p:grpSpPr>
+      <p:sp>
+        <p:nvSpPr>
+          <p:cNvPr id="2" name="Title 1"/>
+          <p:cNvSpPr>
+            <a:spLocks noGrp="1"/>
+          </p:cNvSpPr>
+          <p:nvPr>
+            <p:ph type="title"/>
+          </p:nvPr>
+        </p:nvSpPr>
+        <p:spPr>
+          <a:xfrm>
+            <a:off x="0" y="209456"/>
+            <a:ext cx="8913813" cy="914400"/>
+          </a:xfrm>
+        </p:spPr>
+        <p:txBody>
+          <a:bodyPr/>
+          <a:lstStyle/>
+          <a:p>
+            <a:r>
+              <a:rPr lang="en-US" dirty="0" smtClean="0"/>
+              <a:t>MILE STONE</a:t>
+            </a:r>
+            <a:endParaRPr lang="en-US" dirty="0"/>
+          </a:p>
+        </p:txBody>
+      </p:sp>
+      <p:pic>
+        <p:nvPicPr>
+          <p:cNvPr id="4" name="Picture 3" descr="Screen Shot 2558-04-23 at 9.00.19 PM.png"/>
+          <p:cNvPicPr>
+            <a:picLocks noChangeAspect="1"/>
+          </p:cNvPicPr>
+          <p:nvPr/>
+        </p:nvPicPr>
+        <p:blipFill>
+          <a:blip r:embed="rId2">
+            <a:extLst>
+              <a:ext uri="{28A0092B-C50C-407E-A947-70E740481C1C}">
+                <a14:useLocalDpi xmlns:a14="http://schemas.microsoft.com/office/drawing/2010/main" val="0"/>
+              </a:ext>
+            </a:extLst>
+          </a:blip>
+          <a:stretch>
+            <a:fillRect/>
+          </a:stretch>
+        </p:blipFill>
+        <p:spPr>
+          <a:xfrm>
+            <a:off x="0" y="1372887"/>
+            <a:ext cx="9144000" cy="5375922"/>
+          </a:xfrm>
+          <a:prstGeom prst="rect">
+            <a:avLst/>
+          </a:prstGeom>
+        </p:spPr>
+      </p:pic>
+    </p:spTree>
+    <p:extLst>
+      <p:ext uri="{BB962C8B-B14F-4D97-AF65-F5344CB8AC3E}">
+        <p14:creationId xmlns:p14="http://schemas.microsoft.com/office/powerpoint/2010/main" val="3494471541"/>
+      </p:ext>
+    </p:extLst>
+  </p:cSld>
+  <p:clrMapOvr>
+    <a:masterClrMapping/>
+  </p:clrMapOvr>
+</p:sld>
+</file>
+
+<file path=ppt/slides/slide29.xml><?xml version="1.0" encoding="utf-8"?>
+<p:sld xmlns:a="http://schemas.openxmlformats.org/drawingml/2006/main" xmlns:r="http://schemas.openxmlformats.org/officeDocument/2006/relationships" xmlns:p="http://schemas.openxmlformats.org/presentationml/2006/main">
+  <p:cSld>
+    <p:spTree>
+      <p:nvGrpSpPr>
+        <p:cNvPr id="1" name=""/>
+        <p:cNvGrpSpPr/>
+        <p:nvPr/>
+      </p:nvGrpSpPr>
+      <p:grpSpPr>
+        <a:xfrm>
+          <a:off x="0" y="0"/>
+          <a:ext cx="0" cy="0"/>
+          <a:chOff x="0" y="0"/>
+          <a:chExt cx="0" cy="0"/>
+        </a:xfrm>
+      </p:grpSpPr>
+      <p:sp>
+        <p:nvSpPr>
+          <p:cNvPr id="2" name="Title 1"/>
+          <p:cNvSpPr>
+            <a:spLocks noGrp="1"/>
+          </p:cNvSpPr>
+          <p:nvPr>
+            <p:ph type="title"/>
+          </p:nvPr>
+        </p:nvSpPr>
+        <p:spPr>
+          <a:xfrm>
+            <a:off x="0" y="209456"/>
+            <a:ext cx="8913813" cy="914400"/>
+          </a:xfrm>
+        </p:spPr>
+        <p:txBody>
+          <a:bodyPr/>
+          <a:lstStyle/>
+          <a:p>
+            <a:r>
+              <a:rPr lang="en-US" dirty="0" smtClean="0"/>
+              <a:t>MILE STONE</a:t>
+            </a:r>
+            <a:endParaRPr lang="en-US" dirty="0"/>
+          </a:p>
+        </p:txBody>
+      </p:sp>
+      <p:pic>
+        <p:nvPicPr>
+          <p:cNvPr id="4" name="Picture 3" descr="Screen Shot 2558-04-23 at 9.05.11 PM.png"/>
+          <p:cNvPicPr>
+            <a:picLocks noChangeAspect="1"/>
+          </p:cNvPicPr>
+          <p:nvPr/>
+        </p:nvPicPr>
+        <p:blipFill>
+          <a:blip r:embed="rId2">
+            <a:extLst>
+              <a:ext uri="{28A0092B-C50C-407E-A947-70E740481C1C}">
+                <a14:useLocalDpi xmlns:a14="http://schemas.microsoft.com/office/drawing/2010/main" val="0"/>
+              </a:ext>
+            </a:extLst>
+          </a:blip>
+          <a:stretch>
+            <a:fillRect/>
+          </a:stretch>
+        </p:blipFill>
+        <p:spPr>
+          <a:xfrm>
+            <a:off x="0" y="1346270"/>
+            <a:ext cx="9144000" cy="5391603"/>
+          </a:xfrm>
+          <a:prstGeom prst="rect">
+            <a:avLst/>
+          </a:prstGeom>
+        </p:spPr>
+      </p:pic>
+    </p:spTree>
+    <p:extLst>
+      <p:ext uri="{BB962C8B-B14F-4D97-AF65-F5344CB8AC3E}">
+        <p14:creationId xmlns:p14="http://schemas.microsoft.com/office/powerpoint/2010/main" val="331500214"/>
       </p:ext>
     </p:extLst>
   </p:cSld>
@@ -6758,6 +7078,94 @@
       </p:par>
     </p:tnLst>
   </p:timing>
+</p:sld>
+</file>
+
+<file path=ppt/slides/slide30.xml><?xml version="1.0" encoding="utf-8"?>
+<p:sld xmlns:a="http://schemas.openxmlformats.org/drawingml/2006/main" xmlns:r="http://schemas.openxmlformats.org/officeDocument/2006/relationships" xmlns:p="http://schemas.openxmlformats.org/presentationml/2006/main">
+  <p:cSld>
+    <p:spTree>
+      <p:nvGrpSpPr>
+        <p:cNvPr id="1" name=""/>
+        <p:cNvGrpSpPr/>
+        <p:nvPr/>
+      </p:nvGrpSpPr>
+      <p:grpSpPr>
+        <a:xfrm>
+          <a:off x="0" y="0"/>
+          <a:ext cx="0" cy="0"/>
+          <a:chOff x="0" y="0"/>
+          <a:chExt cx="0" cy="0"/>
+        </a:xfrm>
+      </p:grpSpPr>
+      <p:sp>
+        <p:nvSpPr>
+          <p:cNvPr id="2" name="Title 1"/>
+          <p:cNvSpPr>
+            <a:spLocks noGrp="1"/>
+          </p:cNvSpPr>
+          <p:nvPr>
+            <p:ph type="title"/>
+          </p:nvPr>
+        </p:nvSpPr>
+        <p:spPr>
+          <a:xfrm>
+            <a:off x="0" y="200680"/>
+            <a:ext cx="8913813" cy="914400"/>
+          </a:xfrm>
+        </p:spPr>
+        <p:txBody>
+          <a:bodyPr/>
+          <a:lstStyle/>
+          <a:p>
+            <a:r>
+              <a:rPr lang="en-US" dirty="0" smtClean="0"/>
+              <a:t>MILE STONE</a:t>
+            </a:r>
+            <a:endParaRPr lang="en-US" dirty="0"/>
+          </a:p>
+        </p:txBody>
+      </p:sp>
+      <p:pic>
+        <p:nvPicPr>
+          <p:cNvPr id="4" name="Picture 3" descr="Screen Shot 2558-04-23 at 9.07.02 PM.png"/>
+          <p:cNvPicPr>
+            <a:picLocks noChangeAspect="1"/>
+          </p:cNvPicPr>
+          <p:nvPr/>
+        </p:nvPicPr>
+        <p:blipFill>
+          <a:blip r:embed="rId2">
+            <a:extLst>
+              <a:ext uri="{28A0092B-C50C-407E-A947-70E740481C1C}">
+                <a14:useLocalDpi xmlns:a14="http://schemas.microsoft.com/office/drawing/2010/main" val="0"/>
+              </a:ext>
+            </a:extLst>
+          </a:blip>
+          <a:stretch>
+            <a:fillRect/>
+          </a:stretch>
+        </p:blipFill>
+        <p:spPr>
+          <a:xfrm>
+            <a:off x="0" y="2149657"/>
+            <a:ext cx="9144000" cy="3283974"/>
+          </a:xfrm>
+          <a:prstGeom prst="rect">
+            <a:avLst/>
+          </a:prstGeom>
+        </p:spPr>
+      </p:pic>
+    </p:spTree>
+    <p:extLst>
+      <p:ext uri="{BB962C8B-B14F-4D97-AF65-F5344CB8AC3E}">
+        <p14:creationId xmlns:p14="http://schemas.microsoft.com/office/powerpoint/2010/main" val="3791116639"/>
+      </p:ext>
+    </p:extLst>
+  </p:cSld>
+  <p:clrMapOvr>
+    <a:masterClrMapping/>
+  </p:clrMapOvr>
 </p:sld>
 </file>
 

--- a/present-sw-cons.pptx
+++ b/present-sw-cons.pptx
@@ -5375,6 +5375,13 @@
   <p:clrMapOvr>
     <a:masterClrMapping/>
   </p:clrMapOvr>
+  <p:timing>
+    <p:tnLst>
+      <p:par>
+        <p:cTn id="1" dur="indefinite" restart="never" nodeType="tmRoot"/>
+      </p:par>
+    </p:tnLst>
+  </p:timing>
 </p:sld>
 </file>
 
@@ -5469,6 +5476,13 @@
   <p:clrMapOvr>
     <a:masterClrMapping/>
   </p:clrMapOvr>
+  <p:timing>
+    <p:tnLst>
+      <p:par>
+        <p:cTn id="1" dur="indefinite" restart="never" nodeType="tmRoot"/>
+      </p:par>
+    </p:tnLst>
+  </p:timing>
 </p:sld>
 </file>
 
@@ -5514,14 +5528,14 @@
       </p:sp>
       <p:pic>
         <p:nvPicPr>
-          <p:cNvPr id="5122" name="Picture 2" descr="C:\Users\SONY\Downloads\11011762_1648324538729294_6067595646688242563_n.jpg"/>
+          <p:cNvPr id="1026" name="Picture 2"/>
           <p:cNvPicPr>
             <a:picLocks noChangeAspect="1" noChangeArrowheads="1"/>
           </p:cNvPicPr>
           <p:nvPr/>
         </p:nvPicPr>
         <p:blipFill>
-          <a:blip>
+          <a:blip r:embed="rId2">
             <a:extLst>
               <a:ext uri="{28A0092B-C50C-407E-A947-70E740481C1C}">
                 <a14:useLocalDpi xmlns:a14="http://schemas.microsoft.com/office/drawing/2010/main" val="0"/>
@@ -5535,20 +5549,107 @@
         </p:blipFill>
         <p:spPr bwMode="auto">
           <a:xfrm>
-            <a:off x="835025" y="2038256"/>
-            <a:ext cx="7612516" cy="3827463"/>
+            <a:off x="3376613" y="2900363"/>
+            <a:ext cx="2390775" cy="1057275"/>
           </a:xfrm>
           <a:prstGeom prst="rect">
             <a:avLst/>
           </a:prstGeom>
           <a:noFill/>
+          <a:ln>
+            <a:noFill/>
+          </a:ln>
+          <a:effectLst/>
           <a:extLst>
             <a:ext uri="{909E8E84-426E-40DD-AFC4-6F175D3DCCD1}">
               <a14:hiddenFill xmlns:a14="http://schemas.microsoft.com/office/drawing/2010/main">
                 <a:solidFill>
-                  <a:srgbClr val="FFFFFF"/>
+                  <a:schemeClr val="accent1"/>
                 </a:solidFill>
               </a14:hiddenFill>
+            </a:ext>
+            <a:ext uri="{91240B29-F687-4F45-9708-019B960494DF}">
+              <a14:hiddenLine xmlns:a14="http://schemas.microsoft.com/office/drawing/2010/main" w="9525">
+                <a:solidFill>
+                  <a:schemeClr val="tx1"/>
+                </a:solidFill>
+                <a:miter lim="800000"/>
+                <a:headEnd/>
+                <a:tailEnd/>
+              </a14:hiddenLine>
+            </a:ext>
+            <a:ext uri="{AF507438-7753-43E0-B8FC-AC1667EBCBE1}">
+              <a14:hiddenEffects xmlns:a14="http://schemas.microsoft.com/office/drawing/2010/main">
+                <a:effectLst>
+                  <a:outerShdw dist="35921" dir="2700000" algn="ctr" rotWithShape="0">
+                    <a:schemeClr val="bg2"/>
+                  </a:outerShdw>
+                </a:effectLst>
+              </a14:hiddenEffects>
+            </a:ext>
+          </a:extLst>
+        </p:spPr>
+      </p:pic>
+      <p:pic>
+        <p:nvPicPr>
+          <p:cNvPr id="1027" name="Picture 3"/>
+          <p:cNvPicPr>
+            <a:picLocks noChangeAspect="1" noChangeArrowheads="1"/>
+          </p:cNvPicPr>
+          <p:nvPr/>
+        </p:nvPicPr>
+        <p:blipFill>
+          <a:blip r:embed="rId3">
+            <a:extLst>
+              <a:ext uri="{28A0092B-C50C-407E-A947-70E740481C1C}">
+                <a14:useLocalDpi xmlns:a14="http://schemas.microsoft.com/office/drawing/2010/main" val="0"/>
+              </a:ext>
+            </a:extLst>
+          </a:blip>
+          <a:srcRect/>
+          <a:stretch>
+            <a:fillRect/>
+          </a:stretch>
+        </p:blipFill>
+        <p:spPr bwMode="auto">
+          <a:xfrm>
+            <a:off x="1233487" y="2238375"/>
+            <a:ext cx="6677025" cy="3829050"/>
+          </a:xfrm>
+          <a:prstGeom prst="rect">
+            <a:avLst/>
+          </a:prstGeom>
+          <a:noFill/>
+          <a:ln>
+            <a:noFill/>
+          </a:ln>
+          <a:effectLst/>
+          <a:extLst>
+            <a:ext uri="{909E8E84-426E-40DD-AFC4-6F175D3DCCD1}">
+              <a14:hiddenFill xmlns:a14="http://schemas.microsoft.com/office/drawing/2010/main">
+                <a:solidFill>
+                  <a:schemeClr val="accent1"/>
+                </a:solidFill>
+              </a14:hiddenFill>
+            </a:ext>
+            <a:ext uri="{91240B29-F687-4F45-9708-019B960494DF}">
+              <a14:hiddenLine xmlns:a14="http://schemas.microsoft.com/office/drawing/2010/main" w="9525">
+                <a:solidFill>
+                  <a:schemeClr val="tx1"/>
+                </a:solidFill>
+                <a:miter lim="800000"/>
+                <a:headEnd/>
+                <a:tailEnd/>
+              </a14:hiddenLine>
+            </a:ext>
+            <a:ext uri="{AF507438-7753-43E0-B8FC-AC1667EBCBE1}">
+              <a14:hiddenEffects xmlns:a14="http://schemas.microsoft.com/office/drawing/2010/main">
+                <a:effectLst>
+                  <a:outerShdw dist="35921" dir="2700000" algn="ctr" rotWithShape="0">
+                    <a:schemeClr val="bg2"/>
+                  </a:outerShdw>
+                </a:effectLst>
+              </a14:hiddenEffects>
             </a:ext>
           </a:extLst>
         </p:spPr>
@@ -5563,6 +5664,13 @@
   <p:clrMapOvr>
     <a:masterClrMapping/>
   </p:clrMapOvr>
+  <p:timing>
+    <p:tnLst>
+      <p:par>
+        <p:cTn id="1" dur="indefinite" restart="never" nodeType="tmRoot"/>
+      </p:par>
+    </p:tnLst>
+  </p:timing>
 </p:sld>
 </file>
 
